--- a/boda/090424_plan_proyecto.pptx
+++ b/boda/090424_plan_proyecto.pptx
@@ -5,8 +5,11 @@
     <p:sldMasterId id="2147483828" r:id="rId1"/>
   </p:sldMasterIdLst>
   <p:notesMasterIdLst>
-    <p:notesMasterId r:id="rId22"/>
+    <p:notesMasterId r:id="rId23"/>
   </p:notesMasterIdLst>
+  <p:handoutMasterIdLst>
+    <p:handoutMasterId r:id="rId24"/>
+  </p:handoutMasterIdLst>
   <p:sldIdLst>
     <p:sldId id="256" r:id="rId2"/>
     <p:sldId id="262" r:id="rId3"/>
@@ -28,9 +31,10 @@
     <p:sldId id="275" r:id="rId19"/>
     <p:sldId id="269" r:id="rId20"/>
     <p:sldId id="270" r:id="rId21"/>
+    <p:sldId id="276" r:id="rId22"/>
   </p:sldIdLst>
   <p:sldSz cx="9144000" cy="6858000" type="screen4x3"/>
-  <p:notesSz cx="6858000" cy="9144000"/>
+  <p:notesSz cx="6797675" cy="9926638"/>
   <p:defaultTextStyle>
     <a:defPPr>
       <a:defRPr lang="es-ES"/>
@@ -129,6 +133,166 @@
 </p:presentation>
 </file>
 
+<file path=ppt/handoutMasters/handoutMaster1.xml><?xml version="1.0" encoding="utf-8"?>
+<p:handoutMaster xmlns:a="http://schemas.openxmlformats.org/drawingml/2006/main" xmlns:r="http://schemas.openxmlformats.org/officeDocument/2006/relationships" xmlns:p="http://schemas.openxmlformats.org/presentationml/2006/main">
+  <p:cSld>
+    <p:bg>
+      <p:bgRef idx="1001">
+        <a:schemeClr val="bg1"/>
+      </p:bgRef>
+    </p:bg>
+    <p:spTree>
+      <p:nvGrpSpPr>
+        <p:cNvPr id="1" name=""/>
+        <p:cNvGrpSpPr/>
+        <p:nvPr/>
+      </p:nvGrpSpPr>
+      <p:grpSpPr>
+        <a:xfrm>
+          <a:off x="0" y="0"/>
+          <a:ext cx="0" cy="0"/>
+          <a:chOff x="0" y="0"/>
+          <a:chExt cx="0" cy="0"/>
+        </a:xfrm>
+      </p:grpSpPr>
+      <p:sp>
+        <p:nvSpPr>
+          <p:cNvPr id="2" name="1 Marcador de encabezado"/>
+          <p:cNvSpPr>
+            <a:spLocks noGrp="1"/>
+          </p:cNvSpPr>
+          <p:nvPr>
+            <p:ph type="hdr" sz="quarter"/>
+          </p:nvPr>
+        </p:nvSpPr>
+        <p:spPr>
+          <a:xfrm>
+            <a:off x="0" y="0"/>
+            <a:ext cx="2946400" cy="496888"/>
+          </a:xfrm>
+          <a:prstGeom prst="rect">
+            <a:avLst/>
+          </a:prstGeom>
+        </p:spPr>
+        <p:txBody>
+          <a:bodyPr vert="horz" lIns="91440" tIns="45720" rIns="91440" bIns="45720" rtlCol="0"/>
+          <a:lstStyle>
+            <a:lvl1pPr algn="l">
+              <a:defRPr sz="1200"/>
+            </a:lvl1pPr>
+          </a:lstStyle>
+          <a:p>
+            <a:endParaRPr lang="es-ES"/>
+          </a:p>
+        </p:txBody>
+      </p:sp>
+      <p:sp>
+        <p:nvSpPr>
+          <p:cNvPr id="3" name="2 Marcador de fecha"/>
+          <p:cNvSpPr>
+            <a:spLocks noGrp="1"/>
+          </p:cNvSpPr>
+          <p:nvPr>
+            <p:ph type="dt" sz="quarter" idx="1"/>
+          </p:nvPr>
+        </p:nvSpPr>
+        <p:spPr>
+          <a:xfrm>
+            <a:off x="3849688" y="0"/>
+            <a:ext cx="2946400" cy="496888"/>
+          </a:xfrm>
+          <a:prstGeom prst="rect">
+            <a:avLst/>
+          </a:prstGeom>
+        </p:spPr>
+        <p:txBody>
+          <a:bodyPr vert="horz" lIns="91440" tIns="45720" rIns="91440" bIns="45720" rtlCol="0"/>
+          <a:lstStyle>
+            <a:lvl1pPr algn="r">
+              <a:defRPr sz="1200"/>
+            </a:lvl1pPr>
+          </a:lstStyle>
+          <a:p>
+            <a:fld id="{8086005E-7F00-43F4-8B9F-9E36354CC991}" type="datetimeFigureOut">
+              <a:rPr lang="es-ES" smtClean="0"/>
+              <a:t>24/04/2009</a:t>
+            </a:fld>
+            <a:endParaRPr lang="es-ES"/>
+          </a:p>
+        </p:txBody>
+      </p:sp>
+      <p:sp>
+        <p:nvSpPr>
+          <p:cNvPr id="4" name="3 Marcador de pie de página"/>
+          <p:cNvSpPr>
+            <a:spLocks noGrp="1"/>
+          </p:cNvSpPr>
+          <p:nvPr>
+            <p:ph type="ftr" sz="quarter" idx="2"/>
+          </p:nvPr>
+        </p:nvSpPr>
+        <p:spPr>
+          <a:xfrm>
+            <a:off x="0" y="9428163"/>
+            <a:ext cx="2946400" cy="496887"/>
+          </a:xfrm>
+          <a:prstGeom prst="rect">
+            <a:avLst/>
+          </a:prstGeom>
+        </p:spPr>
+        <p:txBody>
+          <a:bodyPr vert="horz" lIns="91440" tIns="45720" rIns="91440" bIns="45720" rtlCol="0" anchor="b"/>
+          <a:lstStyle>
+            <a:lvl1pPr algn="l">
+              <a:defRPr sz="1200"/>
+            </a:lvl1pPr>
+          </a:lstStyle>
+          <a:p>
+            <a:endParaRPr lang="es-ES"/>
+          </a:p>
+        </p:txBody>
+      </p:sp>
+      <p:sp>
+        <p:nvSpPr>
+          <p:cNvPr id="5" name="4 Marcador de número de diapositiva"/>
+          <p:cNvSpPr>
+            <a:spLocks noGrp="1"/>
+          </p:cNvSpPr>
+          <p:nvPr>
+            <p:ph type="sldNum" sz="quarter" idx="3"/>
+          </p:nvPr>
+        </p:nvSpPr>
+        <p:spPr>
+          <a:xfrm>
+            <a:off x="3849688" y="9428163"/>
+            <a:ext cx="2946400" cy="496887"/>
+          </a:xfrm>
+          <a:prstGeom prst="rect">
+            <a:avLst/>
+          </a:prstGeom>
+        </p:spPr>
+        <p:txBody>
+          <a:bodyPr vert="horz" lIns="91440" tIns="45720" rIns="91440" bIns="45720" rtlCol="0" anchor="b"/>
+          <a:lstStyle>
+            <a:lvl1pPr algn="r">
+              <a:defRPr sz="1200"/>
+            </a:lvl1pPr>
+          </a:lstStyle>
+          <a:p>
+            <a:fld id="{21A375BA-BAFC-4A21-8007-37206FA68470}" type="slidenum">
+              <a:rPr lang="es-ES" smtClean="0"/>
+              <a:t>‹Nº›</a:t>
+            </a:fld>
+            <a:endParaRPr lang="es-ES"/>
+          </a:p>
+        </p:txBody>
+      </p:sp>
+    </p:spTree>
+  </p:cSld>
+  <p:clrMap bg1="lt1" tx1="dk1" bg2="lt2" tx2="dk2" accent1="accent1" accent2="accent2" accent3="accent3" accent4="accent4" accent5="accent5" accent6="accent6" hlink="hlink" folHlink="folHlink"/>
+</p:handoutMaster>
+</file>
+
 <file path=ppt/notesMasters/notesMaster1.xml><?xml version="1.0" encoding="utf-8"?>
 <p:notesMaster xmlns:a="http://schemas.openxmlformats.org/drawingml/2006/main" xmlns:r="http://schemas.openxmlformats.org/officeDocument/2006/relationships" xmlns:p="http://schemas.openxmlformats.org/presentationml/2006/main">
   <p:cSld>
@@ -164,7 +328,7 @@
         <p:spPr>
           <a:xfrm>
             <a:off x="0" y="0"/>
-            <a:ext cx="2971800" cy="457200"/>
+            <a:ext cx="2945659" cy="496332"/>
           </a:xfrm>
           <a:prstGeom prst="rect">
             <a:avLst/>
@@ -194,8 +358,8 @@
         </p:nvSpPr>
         <p:spPr>
           <a:xfrm>
-            <a:off x="3884613" y="0"/>
-            <a:ext cx="2971800" cy="457200"/>
+            <a:off x="3850443" y="0"/>
+            <a:ext cx="2945659" cy="496332"/>
           </a:xfrm>
           <a:prstGeom prst="rect">
             <a:avLst/>
@@ -211,7 +375,8 @@
           <a:p>
             <a:fld id="{7A83BAFB-1634-4464-98C9-FB298DA623DB}" type="datetimeFigureOut">
               <a:rPr lang="es-ES" smtClean="0"/>
-              <a:t>23/04/2009</a:t>
+              <a:pPr/>
+              <a:t>24/04/2009</a:t>
             </a:fld>
             <a:endParaRPr lang="es-ES"/>
           </a:p>
@@ -229,8 +394,8 @@
         </p:nvSpPr>
         <p:spPr>
           <a:xfrm>
-            <a:off x="1143000" y="685800"/>
-            <a:ext cx="4572000" cy="3429000"/>
+            <a:off x="917575" y="744538"/>
+            <a:ext cx="4962525" cy="3722687"/>
           </a:xfrm>
           <a:prstGeom prst="rect">
             <a:avLst/>
@@ -262,8 +427,8 @@
         </p:nvSpPr>
         <p:spPr>
           <a:xfrm>
-            <a:off x="685800" y="4343400"/>
-            <a:ext cx="5486400" cy="4114800"/>
+            <a:off x="679768" y="4715153"/>
+            <a:ext cx="5438140" cy="4466987"/>
           </a:xfrm>
           <a:prstGeom prst="rect">
             <a:avLst/>
@@ -324,8 +489,8 @@
         </p:nvSpPr>
         <p:spPr>
           <a:xfrm>
-            <a:off x="0" y="8685213"/>
-            <a:ext cx="2971800" cy="457200"/>
+            <a:off x="0" y="9428583"/>
+            <a:ext cx="2945659" cy="496332"/>
           </a:xfrm>
           <a:prstGeom prst="rect">
             <a:avLst/>
@@ -355,8 +520,8 @@
         </p:nvSpPr>
         <p:spPr>
           <a:xfrm>
-            <a:off x="3884613" y="8685213"/>
-            <a:ext cx="2971800" cy="457200"/>
+            <a:off x="3850443" y="9428583"/>
+            <a:ext cx="2945659" cy="496332"/>
           </a:xfrm>
           <a:prstGeom prst="rect">
             <a:avLst/>
@@ -372,6 +537,7 @@
           <a:p>
             <a:fld id="{5C5995D4-A065-40C9-BB23-9FA28171D808}" type="slidenum">
               <a:rPr lang="es-ES" smtClean="0"/>
+              <a:pPr/>
               <a:t>‹Nº›</a:t>
             </a:fld>
             <a:endParaRPr lang="es-ES"/>
@@ -543,6 +709,7 @@
           <a:p>
             <a:fld id="{5C5995D4-A065-40C9-BB23-9FA28171D808}" type="slidenum">
               <a:rPr lang="es-ES" smtClean="0"/>
+              <a:pPr/>
               <a:t>1</a:t>
             </a:fld>
             <a:endParaRPr lang="es-ES"/>
@@ -624,6 +791,7 @@
           <a:p>
             <a:fld id="{5C5995D4-A065-40C9-BB23-9FA28171D808}" type="slidenum">
               <a:rPr lang="es-ES" smtClean="0"/>
+              <a:pPr/>
               <a:t>10</a:t>
             </a:fld>
             <a:endParaRPr lang="es-ES"/>
@@ -705,6 +873,7 @@
           <a:p>
             <a:fld id="{5C5995D4-A065-40C9-BB23-9FA28171D808}" type="slidenum">
               <a:rPr lang="es-ES" smtClean="0"/>
+              <a:pPr/>
               <a:t>11</a:t>
             </a:fld>
             <a:endParaRPr lang="es-ES"/>
@@ -786,6 +955,7 @@
           <a:p>
             <a:fld id="{5C5995D4-A065-40C9-BB23-9FA28171D808}" type="slidenum">
               <a:rPr lang="es-ES" smtClean="0"/>
+              <a:pPr/>
               <a:t>12</a:t>
             </a:fld>
             <a:endParaRPr lang="es-ES"/>
@@ -867,6 +1037,7 @@
           <a:p>
             <a:fld id="{5C5995D4-A065-40C9-BB23-9FA28171D808}" type="slidenum">
               <a:rPr lang="es-ES" smtClean="0"/>
+              <a:pPr/>
               <a:t>13</a:t>
             </a:fld>
             <a:endParaRPr lang="es-ES"/>
@@ -948,6 +1119,7 @@
           <a:p>
             <a:fld id="{5C5995D4-A065-40C9-BB23-9FA28171D808}" type="slidenum">
               <a:rPr lang="es-ES" smtClean="0"/>
+              <a:pPr/>
               <a:t>14</a:t>
             </a:fld>
             <a:endParaRPr lang="es-ES"/>
@@ -1029,6 +1201,7 @@
           <a:p>
             <a:fld id="{5C5995D4-A065-40C9-BB23-9FA28171D808}" type="slidenum">
               <a:rPr lang="es-ES" smtClean="0"/>
+              <a:pPr/>
               <a:t>15</a:t>
             </a:fld>
             <a:endParaRPr lang="es-ES"/>
@@ -1110,6 +1283,7 @@
           <a:p>
             <a:fld id="{5C5995D4-A065-40C9-BB23-9FA28171D808}" type="slidenum">
               <a:rPr lang="es-ES" smtClean="0"/>
+              <a:pPr/>
               <a:t>16</a:t>
             </a:fld>
             <a:endParaRPr lang="es-ES"/>
@@ -1191,6 +1365,7 @@
           <a:p>
             <a:fld id="{5C5995D4-A065-40C9-BB23-9FA28171D808}" type="slidenum">
               <a:rPr lang="es-ES" smtClean="0"/>
+              <a:pPr/>
               <a:t>17</a:t>
             </a:fld>
             <a:endParaRPr lang="es-ES"/>
@@ -1272,6 +1447,7 @@
           <a:p>
             <a:fld id="{5C5995D4-A065-40C9-BB23-9FA28171D808}" type="slidenum">
               <a:rPr lang="es-ES" smtClean="0"/>
+              <a:pPr/>
               <a:t>18</a:t>
             </a:fld>
             <a:endParaRPr lang="es-ES"/>
@@ -1353,6 +1529,7 @@
           <a:p>
             <a:fld id="{5C5995D4-A065-40C9-BB23-9FA28171D808}" type="slidenum">
               <a:rPr lang="es-ES" smtClean="0"/>
+              <a:pPr/>
               <a:t>19</a:t>
             </a:fld>
             <a:endParaRPr lang="es-ES"/>
@@ -1434,6 +1611,7 @@
           <a:p>
             <a:fld id="{5C5995D4-A065-40C9-BB23-9FA28171D808}" type="slidenum">
               <a:rPr lang="es-ES" smtClean="0"/>
+              <a:pPr/>
               <a:t>2</a:t>
             </a:fld>
             <a:endParaRPr lang="es-ES"/>
@@ -1515,7 +1693,90 @@
           <a:p>
             <a:fld id="{5C5995D4-A065-40C9-BB23-9FA28171D808}" type="slidenum">
               <a:rPr lang="es-ES" smtClean="0"/>
+              <a:pPr/>
               <a:t>20</a:t>
+            </a:fld>
+            <a:endParaRPr lang="es-ES"/>
+          </a:p>
+        </p:txBody>
+      </p:sp>
+    </p:spTree>
+  </p:cSld>
+  <p:clrMapOvr>
+    <a:masterClrMapping/>
+  </p:clrMapOvr>
+</p:notes>
+</file>
+
+<file path=ppt/notesSlides/notesSlide21.xml><?xml version="1.0" encoding="utf-8"?>
+<p:notes xmlns:a="http://schemas.openxmlformats.org/drawingml/2006/main" xmlns:r="http://schemas.openxmlformats.org/officeDocument/2006/relationships" xmlns:p="http://schemas.openxmlformats.org/presentationml/2006/main">
+  <p:cSld>
+    <p:spTree>
+      <p:nvGrpSpPr>
+        <p:cNvPr id="1" name=""/>
+        <p:cNvGrpSpPr/>
+        <p:nvPr/>
+      </p:nvGrpSpPr>
+      <p:grpSpPr>
+        <a:xfrm>
+          <a:off x="0" y="0"/>
+          <a:ext cx="0" cy="0"/>
+          <a:chOff x="0" y="0"/>
+          <a:chExt cx="0" cy="0"/>
+        </a:xfrm>
+      </p:grpSpPr>
+      <p:sp>
+        <p:nvSpPr>
+          <p:cNvPr id="2" name="1 Marcador de imagen de diapositiva"/>
+          <p:cNvSpPr>
+            <a:spLocks noGrp="1" noRot="1" noChangeAspect="1"/>
+          </p:cNvSpPr>
+          <p:nvPr>
+            <p:ph type="sldImg"/>
+          </p:nvPr>
+        </p:nvSpPr>
+        <p:spPr/>
+      </p:sp>
+      <p:sp>
+        <p:nvSpPr>
+          <p:cNvPr id="3" name="2 Marcador de notas"/>
+          <p:cNvSpPr>
+            <a:spLocks noGrp="1"/>
+          </p:cNvSpPr>
+          <p:nvPr>
+            <p:ph type="body" idx="1"/>
+          </p:nvPr>
+        </p:nvSpPr>
+        <p:spPr/>
+        <p:txBody>
+          <a:bodyPr>
+            <a:normAutofit/>
+          </a:bodyPr>
+          <a:lstStyle/>
+          <a:p>
+            <a:endParaRPr lang="es-ES"/>
+          </a:p>
+        </p:txBody>
+      </p:sp>
+      <p:sp>
+        <p:nvSpPr>
+          <p:cNvPr id="4" name="3 Marcador de número de diapositiva"/>
+          <p:cNvSpPr>
+            <a:spLocks noGrp="1"/>
+          </p:cNvSpPr>
+          <p:nvPr>
+            <p:ph type="sldNum" sz="quarter" idx="10"/>
+          </p:nvPr>
+        </p:nvSpPr>
+        <p:spPr/>
+        <p:txBody>
+          <a:bodyPr/>
+          <a:lstStyle/>
+          <a:p>
+            <a:fld id="{5C5995D4-A065-40C9-BB23-9FA28171D808}" type="slidenum">
+              <a:rPr lang="es-ES" smtClean="0"/>
+              <a:pPr/>
+              <a:t>21</a:t>
             </a:fld>
             <a:endParaRPr lang="es-ES"/>
           </a:p>
@@ -1596,6 +1857,7 @@
           <a:p>
             <a:fld id="{5C5995D4-A065-40C9-BB23-9FA28171D808}" type="slidenum">
               <a:rPr lang="es-ES" smtClean="0"/>
+              <a:pPr/>
               <a:t>3</a:t>
             </a:fld>
             <a:endParaRPr lang="es-ES"/>
@@ -1677,6 +1939,7 @@
           <a:p>
             <a:fld id="{5C5995D4-A065-40C9-BB23-9FA28171D808}" type="slidenum">
               <a:rPr lang="es-ES" smtClean="0"/>
+              <a:pPr/>
               <a:t>4</a:t>
             </a:fld>
             <a:endParaRPr lang="es-ES"/>
@@ -1758,6 +2021,7 @@
           <a:p>
             <a:fld id="{5C5995D4-A065-40C9-BB23-9FA28171D808}" type="slidenum">
               <a:rPr lang="es-ES" smtClean="0"/>
+              <a:pPr/>
               <a:t>5</a:t>
             </a:fld>
             <a:endParaRPr lang="es-ES"/>
@@ -1839,6 +2103,7 @@
           <a:p>
             <a:fld id="{5C5995D4-A065-40C9-BB23-9FA28171D808}" type="slidenum">
               <a:rPr lang="es-ES" smtClean="0"/>
+              <a:pPr/>
               <a:t>6</a:t>
             </a:fld>
             <a:endParaRPr lang="es-ES"/>
@@ -1920,6 +2185,7 @@
           <a:p>
             <a:fld id="{5C5995D4-A065-40C9-BB23-9FA28171D808}" type="slidenum">
               <a:rPr lang="es-ES" smtClean="0"/>
+              <a:pPr/>
               <a:t>7</a:t>
             </a:fld>
             <a:endParaRPr lang="es-ES"/>
@@ -2001,6 +2267,7 @@
           <a:p>
             <a:fld id="{5C5995D4-A065-40C9-BB23-9FA28171D808}" type="slidenum">
               <a:rPr lang="es-ES" smtClean="0"/>
+              <a:pPr/>
               <a:t>8</a:t>
             </a:fld>
             <a:endParaRPr lang="es-ES"/>
@@ -2082,6 +2349,7 @@
           <a:p>
             <a:fld id="{5C5995D4-A065-40C9-BB23-9FA28171D808}" type="slidenum">
               <a:rPr lang="es-ES" smtClean="0"/>
+              <a:pPr/>
               <a:t>9</a:t>
             </a:fld>
             <a:endParaRPr lang="es-ES"/>
@@ -2481,7 +2749,7 @@
             <a:fld id="{7A847CFC-816F-41D0-AAC0-9BF4FEBC753E}" type="datetimeFigureOut">
               <a:rPr lang="es-ES" smtClean="0"/>
               <a:pPr/>
-              <a:t>23/04/2009</a:t>
+              <a:t>24/04/2009</a:t>
             </a:fld>
             <a:endParaRPr lang="es-ES"/>
           </a:p>
@@ -2648,7 +2916,7 @@
             <a:fld id="{7A847CFC-816F-41D0-AAC0-9BF4FEBC753E}" type="datetimeFigureOut">
               <a:rPr lang="es-ES" smtClean="0"/>
               <a:pPr/>
-              <a:t>23/04/2009</a:t>
+              <a:t>24/04/2009</a:t>
             </a:fld>
             <a:endParaRPr lang="es-ES"/>
           </a:p>
@@ -2825,7 +3093,7 @@
             <a:fld id="{7A847CFC-816F-41D0-AAC0-9BF4FEBC753E}" type="datetimeFigureOut">
               <a:rPr lang="es-ES" smtClean="0"/>
               <a:pPr/>
-              <a:t>23/04/2009</a:t>
+              <a:t>24/04/2009</a:t>
             </a:fld>
             <a:endParaRPr lang="es-ES"/>
           </a:p>
@@ -2996,7 +3264,7 @@
             <a:fld id="{7A847CFC-816F-41D0-AAC0-9BF4FEBC753E}" type="datetimeFigureOut">
               <a:rPr lang="es-ES" smtClean="0"/>
               <a:pPr/>
-              <a:t>23/04/2009</a:t>
+              <a:t>24/04/2009</a:t>
             </a:fld>
             <a:endParaRPr lang="es-ES"/>
           </a:p>
@@ -3453,7 +3721,7 @@
             <a:fld id="{7A847CFC-816F-41D0-AAC0-9BF4FEBC753E}" type="datetimeFigureOut">
               <a:rPr lang="es-ES" smtClean="0"/>
               <a:pPr/>
-              <a:t>23/04/2009</a:t>
+              <a:t>24/04/2009</a:t>
             </a:fld>
             <a:endParaRPr lang="es-ES"/>
           </a:p>
@@ -3719,7 +3987,7 @@
             <a:fld id="{7A847CFC-816F-41D0-AAC0-9BF4FEBC753E}" type="datetimeFigureOut">
               <a:rPr lang="es-ES" smtClean="0"/>
               <a:pPr/>
-              <a:t>23/04/2009</a:t>
+              <a:t>24/04/2009</a:t>
             </a:fld>
             <a:endParaRPr lang="es-ES"/>
           </a:p>
@@ -4095,7 +4363,7 @@
             <a:fld id="{7A847CFC-816F-41D0-AAC0-9BF4FEBC753E}" type="datetimeFigureOut">
               <a:rPr lang="es-ES" smtClean="0"/>
               <a:pPr/>
-              <a:t>23/04/2009</a:t>
+              <a:t>24/04/2009</a:t>
             </a:fld>
             <a:endParaRPr lang="es-ES"/>
           </a:p>
@@ -4219,7 +4487,7 @@
             <a:fld id="{7A847CFC-816F-41D0-AAC0-9BF4FEBC753E}" type="datetimeFigureOut">
               <a:rPr lang="es-ES" smtClean="0"/>
               <a:pPr/>
-              <a:t>23/04/2009</a:t>
+              <a:t>24/04/2009</a:t>
             </a:fld>
             <a:endParaRPr lang="es-ES"/>
           </a:p>
@@ -4311,7 +4579,7 @@
             <a:fld id="{7A847CFC-816F-41D0-AAC0-9BF4FEBC753E}" type="datetimeFigureOut">
               <a:rPr lang="es-ES" smtClean="0"/>
               <a:pPr/>
-              <a:t>23/04/2009</a:t>
+              <a:t>24/04/2009</a:t>
             </a:fld>
             <a:endParaRPr lang="es-ES"/>
           </a:p>
@@ -4562,7 +4830,7 @@
             <a:fld id="{7A847CFC-816F-41D0-AAC0-9BF4FEBC753E}" type="datetimeFigureOut">
               <a:rPr lang="es-ES" smtClean="0"/>
               <a:pPr/>
-              <a:t>23/04/2009</a:t>
+              <a:t>24/04/2009</a:t>
             </a:fld>
             <a:endParaRPr lang="es-ES"/>
           </a:p>
@@ -4823,7 +5091,7 @@
             <a:fld id="{7A847CFC-816F-41D0-AAC0-9BF4FEBC753E}" type="datetimeFigureOut">
               <a:rPr lang="es-ES" smtClean="0"/>
               <a:pPr/>
-              <a:t>23/04/2009</a:t>
+              <a:t>24/04/2009</a:t>
             </a:fld>
             <a:endParaRPr lang="es-ES"/>
           </a:p>
@@ -5229,7 +5497,7 @@
             <a:fld id="{7A847CFC-816F-41D0-AAC0-9BF4FEBC753E}" type="datetimeFigureOut">
               <a:rPr lang="es-ES" smtClean="0"/>
               <a:pPr/>
-              <a:t>23/04/2009</a:t>
+              <a:t>24/04/2009</a:t>
             </a:fld>
             <a:endParaRPr lang="es-ES"/>
           </a:p>
@@ -5640,7 +5908,12 @@
             <p:ph type="ctrTitle"/>
           </p:nvPr>
         </p:nvSpPr>
-        <p:spPr/>
+        <p:spPr>
+          <a:xfrm>
+            <a:off x="878034" y="3786190"/>
+            <a:ext cx="6480048" cy="2301240"/>
+          </a:xfrm>
+        </p:spPr>
         <p:txBody>
           <a:bodyPr>
             <a:normAutofit/>
@@ -5672,12 +5945,27 @@
             <p:ph type="subTitle" idx="1"/>
           </p:nvPr>
         </p:nvSpPr>
-        <p:spPr/>
+        <p:spPr>
+          <a:xfrm>
+            <a:off x="806596" y="928670"/>
+            <a:ext cx="6480048" cy="1752600"/>
+          </a:xfrm>
+        </p:spPr>
         <p:txBody>
           <a:bodyPr/>
           <a:lstStyle/>
           <a:p>
-            <a:endParaRPr lang="es-ES"/>
+            <a:r>
+              <a:rPr lang="es-ES" dirty="0" smtClean="0"/>
+              <a:t>Curso de dirección y gestión de proyectos</a:t>
+            </a:r>
+          </a:p>
+          <a:p>
+            <a:r>
+              <a:rPr lang="es-ES" dirty="0" smtClean="0"/>
+              <a:t>Mario Ramírez Ferrero</a:t>
+            </a:r>
+            <a:endParaRPr lang="es-ES" dirty="0"/>
           </a:p>
         </p:txBody>
       </p:sp>
@@ -6003,9 +6291,17 @@
           </a:p>
           <a:p>
             <a:pPr lvl="1"/>
-            <a:r>
-              <a:rPr lang="es-ES" dirty="0" smtClean="0"/>
-              <a:t>Línea base del cronograma:</a:t>
+            <a:endParaRPr lang="es-ES" dirty="0" smtClean="0"/>
+          </a:p>
+          <a:p>
+            <a:pPr lvl="1"/>
+            <a:r>
+              <a:rPr lang="es-ES" dirty="0" smtClean="0"/>
+              <a:t>Línea </a:t>
+            </a:r>
+            <a:r>
+              <a:rPr lang="es-ES" dirty="0" smtClean="0"/>
+              <a:t>base del cronograma:</a:t>
             </a:r>
           </a:p>
           <a:p>
@@ -6024,9 +6320,17 @@
           </a:p>
           <a:p>
             <a:pPr lvl="1"/>
-            <a:r>
-              <a:rPr lang="es-ES" dirty="0" smtClean="0"/>
-              <a:t>Calendarios de recursos</a:t>
+            <a:endParaRPr lang="es-ES" dirty="0" smtClean="0"/>
+          </a:p>
+          <a:p>
+            <a:pPr lvl="1"/>
+            <a:r>
+              <a:rPr lang="es-ES" dirty="0" smtClean="0"/>
+              <a:t>Calendarios </a:t>
+            </a:r>
+            <a:r>
+              <a:rPr lang="es-ES" dirty="0" smtClean="0"/>
+              <a:t>de recursos</a:t>
             </a:r>
             <a:endParaRPr lang="es-ES" dirty="0"/>
           </a:p>
@@ -6225,7 +6529,9 @@
           </a:xfrm>
         </p:spPr>
         <p:txBody>
-          <a:bodyPr/>
+          <a:bodyPr>
+            <a:normAutofit lnSpcReduction="10000"/>
+          </a:bodyPr>
           <a:lstStyle/>
           <a:p>
             <a:r>
@@ -6235,9 +6541,17 @@
           </a:p>
           <a:p>
             <a:pPr lvl="1"/>
-            <a:r>
-              <a:rPr lang="es-ES" dirty="0" smtClean="0"/>
-              <a:t>Línea base de costes:</a:t>
+            <a:endParaRPr lang="es-ES" dirty="0" smtClean="0"/>
+          </a:p>
+          <a:p>
+            <a:pPr lvl="1"/>
+            <a:r>
+              <a:rPr lang="es-ES" dirty="0" smtClean="0"/>
+              <a:t>Línea </a:t>
+            </a:r>
+            <a:r>
+              <a:rPr lang="es-ES" dirty="0" smtClean="0"/>
+              <a:t>base de costes:</a:t>
             </a:r>
           </a:p>
           <a:p>
@@ -6249,16 +6563,32 @@
           </a:p>
           <a:p>
             <a:pPr lvl="1"/>
-            <a:r>
-              <a:rPr lang="es-ES" dirty="0" smtClean="0"/>
-              <a:t>Mecanismos de financiación</a:t>
-            </a:r>
+            <a:endParaRPr lang="es-ES" dirty="0" smtClean="0"/>
           </a:p>
           <a:p>
             <a:pPr lvl="1"/>
             <a:r>
               <a:rPr lang="es-ES" dirty="0" smtClean="0"/>
-              <a:t>Seguimiento y control de costes</a:t>
+              <a:t>Mecanismos </a:t>
+            </a:r>
+            <a:r>
+              <a:rPr lang="es-ES" dirty="0" smtClean="0"/>
+              <a:t>de financiación</a:t>
+            </a:r>
+          </a:p>
+          <a:p>
+            <a:pPr lvl="1"/>
+            <a:endParaRPr lang="es-ES" dirty="0" smtClean="0"/>
+          </a:p>
+          <a:p>
+            <a:pPr lvl="1"/>
+            <a:r>
+              <a:rPr lang="es-ES" dirty="0" smtClean="0"/>
+              <a:t>Seguimiento </a:t>
+            </a:r>
+            <a:r>
+              <a:rPr lang="es-ES" dirty="0" smtClean="0"/>
+              <a:t>y control de costes</a:t>
             </a:r>
             <a:endParaRPr lang="es-ES" dirty="0"/>
           </a:p>
@@ -6459,37 +6789,61 @@
           </a:p>
           <a:p>
             <a:pPr lvl="1"/>
-            <a:r>
-              <a:rPr lang="es-ES" dirty="0" smtClean="0"/>
-              <a:t>Modelo organizativo (organigrama)</a:t>
-            </a:r>
+            <a:endParaRPr lang="es-ES" dirty="0" smtClean="0"/>
           </a:p>
           <a:p>
             <a:pPr lvl="1"/>
             <a:r>
               <a:rPr lang="es-ES" dirty="0" smtClean="0"/>
-              <a:t>Plan de adquisición del personal</a:t>
+              <a:t>Modelo </a:t>
+            </a:r>
+            <a:r>
+              <a:rPr lang="es-ES" dirty="0" smtClean="0"/>
+              <a:t>organizativo (organigrama)</a:t>
             </a:r>
           </a:p>
           <a:p>
             <a:pPr lvl="1"/>
             <a:r>
               <a:rPr lang="es-ES" dirty="0" smtClean="0"/>
-              <a:t>Plan de gestión de los equipos</a:t>
+              <a:t>Plan </a:t>
+            </a:r>
+            <a:r>
+              <a:rPr lang="es-ES" dirty="0" smtClean="0"/>
+              <a:t>de adquisición del personal</a:t>
             </a:r>
           </a:p>
           <a:p>
             <a:pPr lvl="1"/>
             <a:r>
               <a:rPr lang="es-ES" dirty="0" smtClean="0"/>
-              <a:t>Plan de formación</a:t>
+              <a:t>Plan </a:t>
+            </a:r>
+            <a:r>
+              <a:rPr lang="es-ES" dirty="0" smtClean="0"/>
+              <a:t>de gestión de los equipos</a:t>
             </a:r>
           </a:p>
           <a:p>
             <a:pPr lvl="1"/>
             <a:r>
               <a:rPr lang="es-ES" dirty="0" smtClean="0"/>
-              <a:t>Mecanismo de gestión de conflictos</a:t>
+              <a:t>Plan </a:t>
+            </a:r>
+            <a:r>
+              <a:rPr lang="es-ES" dirty="0" smtClean="0"/>
+              <a:t>de formación</a:t>
+            </a:r>
+          </a:p>
+          <a:p>
+            <a:pPr lvl="1"/>
+            <a:r>
+              <a:rPr lang="es-ES" dirty="0" smtClean="0"/>
+              <a:t>Mecanismo </a:t>
+            </a:r>
+            <a:r>
+              <a:rPr lang="es-ES" dirty="0" smtClean="0"/>
+              <a:t>de gestión de conflictos</a:t>
             </a:r>
             <a:endParaRPr lang="es-ES" dirty="0"/>
           </a:p>
@@ -6852,12 +7206,84 @@
             <p:ph idx="1"/>
           </p:nvPr>
         </p:nvSpPr>
-        <p:spPr/>
-        <p:txBody>
-          <a:bodyPr/>
-          <a:lstStyle/>
-          <a:p>
-            <a:endParaRPr lang="es-ES"/>
+        <p:spPr>
+          <a:xfrm>
+            <a:off x="1100142" y="1671638"/>
+            <a:ext cx="6186502" cy="4900634"/>
+          </a:xfrm>
+        </p:spPr>
+        <p:txBody>
+          <a:bodyPr>
+            <a:normAutofit fontScale="85000" lnSpcReduction="20000"/>
+          </a:bodyPr>
+          <a:lstStyle/>
+          <a:p>
+            <a:r>
+              <a:rPr lang="es-ES" dirty="0" smtClean="0"/>
+              <a:t>Boda, 27 de julio</a:t>
+            </a:r>
+          </a:p>
+          <a:p>
+            <a:endParaRPr lang="es-ES" dirty="0" smtClean="0"/>
+          </a:p>
+          <a:p>
+            <a:r>
+              <a:rPr lang="es-ES" dirty="0" smtClean="0"/>
+              <a:t>100 invitados (aprox.)</a:t>
+            </a:r>
+            <a:endParaRPr lang="es-ES" dirty="0" smtClean="0"/>
+          </a:p>
+          <a:p>
+            <a:endParaRPr lang="es-ES" dirty="0" smtClean="0"/>
+          </a:p>
+          <a:p>
+            <a:r>
+              <a:rPr lang="es-ES" dirty="0" smtClean="0"/>
+              <a:t>Ceremonia: iglesia de su pueblo</a:t>
+            </a:r>
+          </a:p>
+          <a:p>
+            <a:endParaRPr lang="es-ES" dirty="0" smtClean="0"/>
+          </a:p>
+          <a:p>
+            <a:r>
+              <a:rPr lang="es-ES" dirty="0" smtClean="0"/>
+              <a:t>Carruaje </a:t>
+            </a:r>
+            <a:r>
+              <a:rPr lang="es-ES" dirty="0" smtClean="0"/>
+              <a:t>tirado por cuatro caballos</a:t>
+            </a:r>
+          </a:p>
+          <a:p>
+            <a:endParaRPr lang="es-ES" dirty="0" smtClean="0"/>
+          </a:p>
+          <a:p>
+            <a:r>
+              <a:rPr lang="es-ES" dirty="0" smtClean="0"/>
+              <a:t>Banquete:</a:t>
+            </a:r>
+          </a:p>
+          <a:p>
+            <a:pPr lvl="1"/>
+            <a:r>
+              <a:rPr lang="es-ES" dirty="0" smtClean="0"/>
+              <a:t>Paraje natural al aire libre</a:t>
+            </a:r>
+          </a:p>
+          <a:p>
+            <a:pPr lvl="1"/>
+            <a:r>
+              <a:rPr lang="es-ES" dirty="0" smtClean="0"/>
+              <a:t>En las cercanías del pueblo</a:t>
+            </a:r>
+          </a:p>
+          <a:p>
+            <a:pPr lvl="1"/>
+            <a:r>
+              <a:rPr lang="es-ES" dirty="0" smtClean="0"/>
+              <a:t>Amenizado por un cuarteto de cuerda</a:t>
+            </a:r>
           </a:p>
         </p:txBody>
       </p:sp>
@@ -6921,13 +7347,13 @@
         </p:nvSpPr>
         <p:spPr>
           <a:xfrm>
-            <a:off x="457200" y="1857364"/>
-            <a:ext cx="7467600" cy="4525963"/>
+            <a:off x="528638" y="1785926"/>
+            <a:ext cx="7829576" cy="4525963"/>
           </a:xfrm>
         </p:spPr>
         <p:txBody>
           <a:bodyPr>
-            <a:normAutofit lnSpcReduction="10000"/>
+            <a:normAutofit fontScale="92500" lnSpcReduction="10000"/>
           </a:bodyPr>
           <a:lstStyle/>
           <a:p>
@@ -6951,7 +7377,20 @@
           <a:p>
             <a:r>
               <a:rPr lang="es-ES" dirty="0" smtClean="0"/>
-              <a:t>Realización de un plan de proyecto para un caso práctico propuesto</a:t>
+              <a:t>Realización de un plan de proyecto para un caso práctico </a:t>
+            </a:r>
+            <a:r>
+              <a:rPr lang="es-ES" dirty="0" smtClean="0"/>
+              <a:t>propuesto</a:t>
+            </a:r>
+          </a:p>
+          <a:p>
+            <a:endParaRPr lang="es-ES" dirty="0" smtClean="0"/>
+          </a:p>
+          <a:p>
+            <a:r>
+              <a:rPr lang="es-ES" dirty="0" smtClean="0"/>
+              <a:t>Saber enfrentarse a un caso real</a:t>
             </a:r>
             <a:endParaRPr lang="es-ES" dirty="0"/>
           </a:p>
@@ -7015,12 +7454,238 @@
             <p:ph idx="1"/>
           </p:nvPr>
         </p:nvSpPr>
+        <p:spPr>
+          <a:xfrm>
+            <a:off x="676300" y="1760557"/>
+            <a:ext cx="7467600" cy="4525963"/>
+          </a:xfrm>
+        </p:spPr>
+        <p:txBody>
+          <a:bodyPr>
+            <a:normAutofit fontScale="77500" lnSpcReduction="20000"/>
+          </a:bodyPr>
+          <a:lstStyle/>
+          <a:p>
+            <a:r>
+              <a:rPr lang="es-ES" dirty="0" smtClean="0"/>
+              <a:t>Reportaje fotográfico de todo el evento</a:t>
+            </a:r>
+          </a:p>
+          <a:p>
+            <a:endParaRPr lang="es-ES" dirty="0" smtClean="0"/>
+          </a:p>
+          <a:p>
+            <a:r>
+              <a:rPr lang="es-ES" dirty="0" smtClean="0"/>
+              <a:t>Vestimenta tradicional:</a:t>
+            </a:r>
+          </a:p>
+          <a:p>
+            <a:pPr lvl="1"/>
+            <a:r>
+              <a:rPr lang="es-ES" dirty="0" smtClean="0"/>
+              <a:t>Vestido de novia (ella) y traje (él)</a:t>
+            </a:r>
+          </a:p>
+          <a:p>
+            <a:endParaRPr lang="es-ES" dirty="0" smtClean="0"/>
+          </a:p>
+          <a:p>
+            <a:r>
+              <a:rPr lang="es-ES" dirty="0" smtClean="0"/>
+              <a:t>Invitaciones por correo</a:t>
+            </a:r>
+          </a:p>
+          <a:p>
+            <a:pPr lvl="1"/>
+            <a:r>
+              <a:rPr lang="es-ES" dirty="0" smtClean="0"/>
+              <a:t>Posibilidad de acompañante</a:t>
+            </a:r>
+          </a:p>
+          <a:p>
+            <a:pPr lvl="1"/>
+            <a:r>
+              <a:rPr lang="es-ES" dirty="0" smtClean="0"/>
+              <a:t>Referencia a la lista de bodas</a:t>
+            </a:r>
+          </a:p>
+          <a:p>
+            <a:endParaRPr lang="es-ES" dirty="0" smtClean="0"/>
+          </a:p>
+          <a:p>
+            <a:r>
+              <a:rPr lang="es-ES" dirty="0" smtClean="0"/>
+              <a:t>Queremos que nos resuelvan TODOS los trámites organizativos de la boda</a:t>
+            </a:r>
+          </a:p>
+          <a:p>
+            <a:endParaRPr lang="es-ES" dirty="0" smtClean="0"/>
+          </a:p>
+          <a:p>
+            <a:r>
+              <a:rPr lang="es-ES" dirty="0" smtClean="0"/>
+              <a:t>Presupuesto abierto… pero estamos en crisis</a:t>
+            </a:r>
+            <a:endParaRPr lang="es-ES" dirty="0" smtClean="0"/>
+          </a:p>
+        </p:txBody>
+      </p:sp>
+    </p:spTree>
+  </p:cSld>
+  <p:clrMapOvr>
+    <a:masterClrMapping/>
+  </p:clrMapOvr>
+</p:sld>
+</file>
+
+<file path=ppt/slides/slide21.xml><?xml version="1.0" encoding="utf-8"?>
+<p:sld xmlns:a="http://schemas.openxmlformats.org/drawingml/2006/main" xmlns:r="http://schemas.openxmlformats.org/officeDocument/2006/relationships" xmlns:p="http://schemas.openxmlformats.org/presentationml/2006/main">
+  <p:cSld>
+    <p:spTree>
+      <p:nvGrpSpPr>
+        <p:cNvPr id="1" name=""/>
+        <p:cNvGrpSpPr/>
+        <p:nvPr/>
+      </p:nvGrpSpPr>
+      <p:grpSpPr>
+        <a:xfrm>
+          <a:off x="0" y="0"/>
+          <a:ext cx="0" cy="0"/>
+          <a:chOff x="0" y="0"/>
+          <a:chExt cx="0" cy="0"/>
+        </a:xfrm>
+      </p:grpSpPr>
+      <p:sp>
+        <p:nvSpPr>
+          <p:cNvPr id="2" name="1 Título"/>
+          <p:cNvSpPr>
+            <a:spLocks noGrp="1"/>
+          </p:cNvSpPr>
+          <p:nvPr>
+            <p:ph type="title"/>
+          </p:nvPr>
+        </p:nvSpPr>
         <p:spPr/>
         <p:txBody>
           <a:bodyPr/>
           <a:lstStyle/>
           <a:p>
-            <a:endParaRPr lang="es-ES"/>
+            <a:r>
+              <a:rPr lang="es-ES" dirty="0" smtClean="0"/>
+              <a:t>Caso práctico (pistas)</a:t>
+            </a:r>
+            <a:endParaRPr lang="es-ES" dirty="0"/>
+          </a:p>
+        </p:txBody>
+      </p:sp>
+      <p:sp>
+        <p:nvSpPr>
+          <p:cNvPr id="3" name="2 Marcador de contenido"/>
+          <p:cNvSpPr>
+            <a:spLocks noGrp="1"/>
+          </p:cNvSpPr>
+          <p:nvPr>
+            <p:ph idx="1"/>
+          </p:nvPr>
+        </p:nvSpPr>
+        <p:spPr>
+          <a:xfrm>
+            <a:off x="571472" y="1857364"/>
+            <a:ext cx="8253418" cy="4643470"/>
+          </a:xfrm>
+        </p:spPr>
+        <p:txBody>
+          <a:bodyPr>
+            <a:normAutofit fontScale="62500" lnSpcReduction="20000"/>
+          </a:bodyPr>
+          <a:lstStyle/>
+          <a:p>
+            <a:r>
+              <a:rPr lang="es-ES" dirty="0" smtClean="0"/>
+              <a:t>Hacen falta papeleo y gestiones (civiles y religiosas)</a:t>
+            </a:r>
+          </a:p>
+          <a:p>
+            <a:r>
+              <a:rPr lang="es-ES" dirty="0" smtClean="0"/>
+              <a:t>Si estás todo el día al sol te puede dar una lipotimia</a:t>
+            </a:r>
+          </a:p>
+          <a:p>
+            <a:r>
+              <a:rPr lang="es-ES" dirty="0" smtClean="0"/>
+              <a:t>Puede no ser agradable andar con zapatos de vestir por el campo</a:t>
+            </a:r>
+          </a:p>
+          <a:p>
+            <a:r>
+              <a:rPr lang="es-ES" dirty="0" smtClean="0"/>
+              <a:t>No suele haber restaurantes en medio del campo</a:t>
+            </a:r>
+          </a:p>
+          <a:p>
+            <a:r>
+              <a:rPr lang="es-ES" dirty="0" smtClean="0"/>
+              <a:t>Hay gente que puede traer acompañante</a:t>
+            </a:r>
+          </a:p>
+          <a:p>
+            <a:r>
+              <a:rPr lang="es-ES" dirty="0" smtClean="0"/>
+              <a:t>Uno no se lleva el traje “puesto” de la tienda</a:t>
+            </a:r>
+          </a:p>
+          <a:p>
+            <a:r>
+              <a:rPr lang="es-ES" dirty="0" smtClean="0"/>
+              <a:t>No se come lo primero que te traen</a:t>
+            </a:r>
+          </a:p>
+          <a:p>
+            <a:r>
+              <a:rPr lang="es-ES" dirty="0" smtClean="0"/>
+              <a:t>A la gente le suele gustar tomarse unas copas y echar unos bailes</a:t>
+            </a:r>
+          </a:p>
+          <a:p>
+            <a:r>
+              <a:rPr lang="es-ES" dirty="0" smtClean="0"/>
+              <a:t>Las invitaciones no se mandan en hojas de un bock</a:t>
+            </a:r>
+          </a:p>
+          <a:p>
+            <a:r>
+              <a:rPr lang="es-ES" dirty="0" smtClean="0"/>
+              <a:t>No vas peinado según te has levantado</a:t>
+            </a:r>
+          </a:p>
+          <a:p>
+            <a:r>
+              <a:rPr lang="es-ES" dirty="0" smtClean="0"/>
+              <a:t>La ceremonia no se improvisa</a:t>
+            </a:r>
+          </a:p>
+          <a:p>
+            <a:r>
+              <a:rPr lang="es-ES" dirty="0" smtClean="0"/>
+              <a:t>Lleva ciertos rituales asociados</a:t>
+            </a:r>
+          </a:p>
+          <a:p>
+            <a:r>
+              <a:rPr lang="es-ES" dirty="0" smtClean="0"/>
+              <a:t>Suele regalarse algo a los invitados</a:t>
+            </a:r>
+          </a:p>
+          <a:p>
+            <a:r>
+              <a:rPr lang="es-ES" dirty="0" smtClean="0"/>
+              <a:t>Los novios todavía no tienen casa…</a:t>
+            </a:r>
+          </a:p>
+          <a:p>
+            <a:endParaRPr lang="es-ES" dirty="0"/>
           </a:p>
         </p:txBody>
       </p:sp>
@@ -7324,7 +7989,7 @@
         </p:nvSpPr>
         <p:spPr>
           <a:xfrm>
-            <a:off x="357158" y="214290"/>
+            <a:off x="357158" y="285736"/>
             <a:ext cx="8686800" cy="1143000"/>
           </a:xfrm>
         </p:spPr>
@@ -7359,7 +8024,9 @@
           </a:xfrm>
         </p:spPr>
         <p:txBody>
-          <a:bodyPr/>
+          <a:bodyPr>
+            <a:normAutofit fontScale="92500" lnSpcReduction="10000"/>
+          </a:bodyPr>
           <a:lstStyle/>
           <a:p>
             <a:r>
@@ -7408,6 +8075,28 @@
               <a:rPr lang="es-ES" dirty="0" smtClean="0"/>
               <a:t>Comunicaciones</a:t>
             </a:r>
+          </a:p>
+          <a:p>
+            <a:pPr lvl="2"/>
+            <a:r>
+              <a:rPr lang="es-ES" dirty="0" smtClean="0"/>
+              <a:t>Calidad</a:t>
+            </a:r>
+          </a:p>
+          <a:p>
+            <a:pPr lvl="2"/>
+            <a:r>
+              <a:rPr lang="es-ES" dirty="0" smtClean="0"/>
+              <a:t>Riesgos</a:t>
+            </a:r>
+          </a:p>
+          <a:p>
+            <a:pPr lvl="2"/>
+            <a:r>
+              <a:rPr lang="es-ES" dirty="0" smtClean="0"/>
+              <a:t>Adquisiciones</a:t>
+            </a:r>
+            <a:endParaRPr lang="es-ES" dirty="0" smtClean="0"/>
           </a:p>
           <a:p>
             <a:pPr lvl="1"/>
@@ -7496,8 +8185,13 @@
           <a:p>
             <a:r>
               <a:rPr lang="es-ES" dirty="0" smtClean="0"/>
-              <a:t>Marco del proyecto:</a:t>
-            </a:r>
+              <a:t>Marco del </a:t>
+            </a:r>
+            <a:r>
+              <a:rPr lang="es-ES" dirty="0" smtClean="0"/>
+              <a:t>proyecto</a:t>
+            </a:r>
+            <a:endParaRPr lang="es-ES" dirty="0" smtClean="0"/>
           </a:p>
           <a:p>
             <a:pPr lvl="1"/>
@@ -8063,7 +8757,6 @@
               <a:rPr lang="es-ES" dirty="0" smtClean="0"/>
               <a:t>Criterios de aprobación</a:t>
             </a:r>
-            <a:endParaRPr lang="es-ES" dirty="0" smtClean="0"/>
           </a:p>
           <a:p>
             <a:pPr lvl="1"/>
@@ -8691,4 +9384,287 @@
   <a:objectDefaults/>
   <a:extraClrSchemeLst/>
 </a:theme>
+</file>
+
+<file path=ppt/theme/theme3.xml><?xml version="1.0" encoding="utf-8"?>
+<a:theme xmlns:a="http://schemas.openxmlformats.org/drawingml/2006/main" name="Tema de Office">
+  <a:themeElements>
+    <a:clrScheme name="Office">
+      <a:dk1>
+        <a:sysClr val="windowText" lastClr="000000"/>
+      </a:dk1>
+      <a:lt1>
+        <a:sysClr val="window" lastClr="FFFFFF"/>
+      </a:lt1>
+      <a:dk2>
+        <a:srgbClr val="1F497D"/>
+      </a:dk2>
+      <a:lt2>
+        <a:srgbClr val="EEECE1"/>
+      </a:lt2>
+      <a:accent1>
+        <a:srgbClr val="4F81BD"/>
+      </a:accent1>
+      <a:accent2>
+        <a:srgbClr val="C0504D"/>
+      </a:accent2>
+      <a:accent3>
+        <a:srgbClr val="9BBB59"/>
+      </a:accent3>
+      <a:accent4>
+        <a:srgbClr val="8064A2"/>
+      </a:accent4>
+      <a:accent5>
+        <a:srgbClr val="4BACC6"/>
+      </a:accent5>
+      <a:accent6>
+        <a:srgbClr val="F79646"/>
+      </a:accent6>
+      <a:hlink>
+        <a:srgbClr val="0000FF"/>
+      </a:hlink>
+      <a:folHlink>
+        <a:srgbClr val="800080"/>
+      </a:folHlink>
+    </a:clrScheme>
+    <a:fontScheme name="Office">
+      <a:majorFont>
+        <a:latin typeface="Calibri"/>
+        <a:ea typeface=""/>
+        <a:cs typeface=""/>
+        <a:font script="Jpan" typeface="ＭＳ Ｐゴシック"/>
+        <a:font script="Hang" typeface="맑은 고딕"/>
+        <a:font script="Hans" typeface="宋体"/>
+        <a:font script="Hant" typeface="新細明體"/>
+        <a:font script="Arab" typeface="Times New Roman"/>
+        <a:font script="Hebr" typeface="Times New Roman"/>
+        <a:font script="Thai" typeface="Angsana New"/>
+        <a:font script="Ethi" typeface="Nyala"/>
+        <a:font script="Beng" typeface="Vrinda"/>
+        <a:font script="Gujr" typeface="Shruti"/>
+        <a:font script="Khmr" typeface="MoolBoran"/>
+        <a:font script="Knda" typeface="Tunga"/>
+        <a:font script="Guru" typeface="Raavi"/>
+        <a:font script="Cans" typeface="Euphemia"/>
+        <a:font script="Cher" typeface="Plantagenet Cherokee"/>
+        <a:font script="Yiii" typeface="Microsoft Yi Baiti"/>
+        <a:font script="Tibt" typeface="Microsoft Himalaya"/>
+        <a:font script="Thaa" typeface="MV Boli"/>
+        <a:font script="Deva" typeface="Mangal"/>
+        <a:font script="Telu" typeface="Gautami"/>
+        <a:font script="Taml" typeface="Latha"/>
+        <a:font script="Syrc" typeface="Estrangelo Edessa"/>
+        <a:font script="Orya" typeface="Kalinga"/>
+        <a:font script="Mlym" typeface="Kartika"/>
+        <a:font script="Laoo" typeface="DokChampa"/>
+        <a:font script="Sinh" typeface="Iskoola Pota"/>
+        <a:font script="Mong" typeface="Mongolian Baiti"/>
+        <a:font script="Viet" typeface="Times New Roman"/>
+        <a:font script="Uigh" typeface="Microsoft Uighur"/>
+      </a:majorFont>
+      <a:minorFont>
+        <a:latin typeface="Calibri"/>
+        <a:ea typeface=""/>
+        <a:cs typeface=""/>
+        <a:font script="Jpan" typeface="ＭＳ Ｐゴシック"/>
+        <a:font script="Hang" typeface="맑은 고딕"/>
+        <a:font script="Hans" typeface="宋体"/>
+        <a:font script="Hant" typeface="新細明體"/>
+        <a:font script="Arab" typeface="Arial"/>
+        <a:font script="Hebr" typeface="Arial"/>
+        <a:font script="Thai" typeface="Cordia New"/>
+        <a:font script="Ethi" typeface="Nyala"/>
+        <a:font script="Beng" typeface="Vrinda"/>
+        <a:font script="Gujr" typeface="Shruti"/>
+        <a:font script="Khmr" typeface="DaunPenh"/>
+        <a:font script="Knda" typeface="Tunga"/>
+        <a:font script="Guru" typeface="Raavi"/>
+        <a:font script="Cans" typeface="Euphemia"/>
+        <a:font script="Cher" typeface="Plantagenet Cherokee"/>
+        <a:font script="Yiii" typeface="Microsoft Yi Baiti"/>
+        <a:font script="Tibt" typeface="Microsoft Himalaya"/>
+        <a:font script="Thaa" typeface="MV Boli"/>
+        <a:font script="Deva" typeface="Mangal"/>
+        <a:font script="Telu" typeface="Gautami"/>
+        <a:font script="Taml" typeface="Latha"/>
+        <a:font script="Syrc" typeface="Estrangelo Edessa"/>
+        <a:font script="Orya" typeface="Kalinga"/>
+        <a:font script="Mlym" typeface="Kartika"/>
+        <a:font script="Laoo" typeface="DokChampa"/>
+        <a:font script="Sinh" typeface="Iskoola Pota"/>
+        <a:font script="Mong" typeface="Mongolian Baiti"/>
+        <a:font script="Viet" typeface="Arial"/>
+        <a:font script="Uigh" typeface="Microsoft Uighur"/>
+      </a:minorFont>
+    </a:fontScheme>
+    <a:fmtScheme name="Office">
+      <a:fillStyleLst>
+        <a:solidFill>
+          <a:schemeClr val="phClr"/>
+        </a:solidFill>
+        <a:gradFill rotWithShape="1">
+          <a:gsLst>
+            <a:gs pos="0">
+              <a:schemeClr val="phClr">
+                <a:tint val="50000"/>
+                <a:satMod val="300000"/>
+              </a:schemeClr>
+            </a:gs>
+            <a:gs pos="35000">
+              <a:schemeClr val="phClr">
+                <a:tint val="37000"/>
+                <a:satMod val="300000"/>
+              </a:schemeClr>
+            </a:gs>
+            <a:gs pos="100000">
+              <a:schemeClr val="phClr">
+                <a:tint val="15000"/>
+                <a:satMod val="350000"/>
+              </a:schemeClr>
+            </a:gs>
+          </a:gsLst>
+          <a:lin ang="16200000" scaled="1"/>
+        </a:gradFill>
+        <a:gradFill rotWithShape="1">
+          <a:gsLst>
+            <a:gs pos="0">
+              <a:schemeClr val="phClr">
+                <a:shade val="51000"/>
+                <a:satMod val="130000"/>
+              </a:schemeClr>
+            </a:gs>
+            <a:gs pos="80000">
+              <a:schemeClr val="phClr">
+                <a:shade val="93000"/>
+                <a:satMod val="130000"/>
+              </a:schemeClr>
+            </a:gs>
+            <a:gs pos="100000">
+              <a:schemeClr val="phClr">
+                <a:shade val="94000"/>
+                <a:satMod val="135000"/>
+              </a:schemeClr>
+            </a:gs>
+          </a:gsLst>
+          <a:lin ang="16200000" scaled="0"/>
+        </a:gradFill>
+      </a:fillStyleLst>
+      <a:lnStyleLst>
+        <a:ln w="9525" cap="flat" cmpd="sng" algn="ctr">
+          <a:solidFill>
+            <a:schemeClr val="phClr">
+              <a:shade val="95000"/>
+              <a:satMod val="105000"/>
+            </a:schemeClr>
+          </a:solidFill>
+          <a:prstDash val="solid"/>
+        </a:ln>
+        <a:ln w="25400" cap="flat" cmpd="sng" algn="ctr">
+          <a:solidFill>
+            <a:schemeClr val="phClr"/>
+          </a:solidFill>
+          <a:prstDash val="solid"/>
+        </a:ln>
+        <a:ln w="38100" cap="flat" cmpd="sng" algn="ctr">
+          <a:solidFill>
+            <a:schemeClr val="phClr"/>
+          </a:solidFill>
+          <a:prstDash val="solid"/>
+        </a:ln>
+      </a:lnStyleLst>
+      <a:effectStyleLst>
+        <a:effectStyle>
+          <a:effectLst>
+            <a:outerShdw blurRad="40000" dist="20000" dir="5400000" rotWithShape="0">
+              <a:srgbClr val="000000">
+                <a:alpha val="38000"/>
+              </a:srgbClr>
+            </a:outerShdw>
+          </a:effectLst>
+        </a:effectStyle>
+        <a:effectStyle>
+          <a:effectLst>
+            <a:outerShdw blurRad="40000" dist="23000" dir="5400000" rotWithShape="0">
+              <a:srgbClr val="000000">
+                <a:alpha val="35000"/>
+              </a:srgbClr>
+            </a:outerShdw>
+          </a:effectLst>
+        </a:effectStyle>
+        <a:effectStyle>
+          <a:effectLst>
+            <a:outerShdw blurRad="40000" dist="23000" dir="5400000" rotWithShape="0">
+              <a:srgbClr val="000000">
+                <a:alpha val="35000"/>
+              </a:srgbClr>
+            </a:outerShdw>
+          </a:effectLst>
+          <a:scene3d>
+            <a:camera prst="orthographicFront">
+              <a:rot lat="0" lon="0" rev="0"/>
+            </a:camera>
+            <a:lightRig rig="threePt" dir="t">
+              <a:rot lat="0" lon="0" rev="1200000"/>
+            </a:lightRig>
+          </a:scene3d>
+          <a:sp3d>
+            <a:bevelT w="63500" h="25400"/>
+          </a:sp3d>
+        </a:effectStyle>
+      </a:effectStyleLst>
+      <a:bgFillStyleLst>
+        <a:solidFill>
+          <a:schemeClr val="phClr"/>
+        </a:solidFill>
+        <a:gradFill rotWithShape="1">
+          <a:gsLst>
+            <a:gs pos="0">
+              <a:schemeClr val="phClr">
+                <a:tint val="40000"/>
+                <a:satMod val="350000"/>
+              </a:schemeClr>
+            </a:gs>
+            <a:gs pos="40000">
+              <a:schemeClr val="phClr">
+                <a:tint val="45000"/>
+                <a:shade val="99000"/>
+                <a:satMod val="350000"/>
+              </a:schemeClr>
+            </a:gs>
+            <a:gs pos="100000">
+              <a:schemeClr val="phClr">
+                <a:shade val="20000"/>
+                <a:satMod val="255000"/>
+              </a:schemeClr>
+            </a:gs>
+          </a:gsLst>
+          <a:path path="circle">
+            <a:fillToRect l="50000" t="-80000" r="50000" b="180000"/>
+          </a:path>
+        </a:gradFill>
+        <a:gradFill rotWithShape="1">
+          <a:gsLst>
+            <a:gs pos="0">
+              <a:schemeClr val="phClr">
+                <a:tint val="80000"/>
+                <a:satMod val="300000"/>
+              </a:schemeClr>
+            </a:gs>
+            <a:gs pos="100000">
+              <a:schemeClr val="phClr">
+                <a:shade val="30000"/>
+                <a:satMod val="200000"/>
+              </a:schemeClr>
+            </a:gs>
+          </a:gsLst>
+          <a:path path="circle">
+            <a:fillToRect l="50000" t="50000" r="50000" b="50000"/>
+          </a:path>
+        </a:gradFill>
+      </a:bgFillStyleLst>
+    </a:fmtScheme>
+  </a:themeElements>
+  <a:objectDefaults/>
+  <a:extraClrSchemeLst/>
+</a:theme>
 </file>